--- a/lectures/Lecture06/Lecture06.pptx
+++ b/lectures/Lecture06/Lecture06.pptx
@@ -6,10 +6,10 @@
     <p:sldMasterId id="2147483650" r:id="rId2"/>
   </p:sldMasterIdLst>
   <p:notesMasterIdLst>
-    <p:notesMasterId r:id="rId22"/>
+    <p:notesMasterId r:id="rId21"/>
   </p:notesMasterIdLst>
   <p:handoutMasterIdLst>
-    <p:handoutMasterId r:id="rId23"/>
+    <p:handoutMasterId r:id="rId22"/>
   </p:handoutMasterIdLst>
   <p:sldIdLst>
     <p:sldId id="256" r:id="rId3"/>
@@ -30,7 +30,6 @@
     <p:sldId id="359" r:id="rId18"/>
     <p:sldId id="360" r:id="rId19"/>
     <p:sldId id="361" r:id="rId20"/>
-    <p:sldId id="356" r:id="rId21"/>
   </p:sldIdLst>
   <p:sldSz cx="9144000" cy="6858000" type="screen4x3"/>
   <p:notesSz cx="6797675" cy="9928225"/>
@@ -1924,7 +1923,7 @@
                 <a:ea typeface="+mn-ea"/>
                 <a:cs typeface="+mn-cs"/>
               </a:rPr>
-              <a:t> colored after spilling, the whole liveliness analysis and subsequent steps are repeated. Now, access to f is memory based! Stack is the usual destination for storing spilled variables. These are compiler generated temporaries materialized in memory</a:t>
+              <a:t> colored after spilling, the whole </a:t>
             </a:r>
             <a:r>
               <a:rPr lang="en-US" sz="1200" kern="1200" baseline="0" dirty="0" smtClean="0">
@@ -1936,7 +1935,19 @@
                 <a:ea typeface="+mn-ea"/>
                 <a:cs typeface="+mn-cs"/>
               </a:rPr>
-              <a:t>. Register pressure is a term to address the mismatch between the live variables and the number of the available registers at some execution point.</a:t>
+              <a:t>liveness </a:t>
+            </a:r>
+            <a:r>
+              <a:rPr lang="en-US" sz="1200" kern="1200" baseline="0" dirty="0" smtClean="0">
+                <a:solidFill>
+                  <a:schemeClr val="tx1"/>
+                </a:solidFill>
+                <a:effectLst/>
+                <a:latin typeface="Arial" panose="020B0604020202020204" pitchFamily="34" charset="0"/>
+                <a:ea typeface="+mn-ea"/>
+                <a:cs typeface="+mn-cs"/>
+              </a:rPr>
+              <a:t>analysis and subsequent steps are repeated. Now, access to f is memory based! Stack is the usual destination for storing spilled variables. These are compiler generated temporaries materialized in memory. Register pressure is a term to address the mismatch between the live variables and the number of the available registers at some execution point.</a:t>
             </a:r>
             <a:endParaRPr lang="tr-TR" sz="1200" kern="1200" dirty="0">
               <a:solidFill>
@@ -2083,123 +2094,6 @@
     <p:extLst>
       <p:ext uri="{BB962C8B-B14F-4D97-AF65-F5344CB8AC3E}">
         <p14:creationId xmlns:p14="http://schemas.microsoft.com/office/powerpoint/2010/main" val="836910161"/>
-      </p:ext>
-    </p:extLst>
-  </p:cSld>
-  <p:clrMapOvr>
-    <a:masterClrMapping/>
-  </p:clrMapOvr>
-</p:notes>
-</file>
-
-<file path=ppt/notesSlides/notesSlide19.xml><?xml version="1.0" encoding="utf-8"?>
-<p:notes xmlns:a="http://schemas.openxmlformats.org/drawingml/2006/main" xmlns:r="http://schemas.openxmlformats.org/officeDocument/2006/relationships" xmlns:p="http://schemas.openxmlformats.org/presentationml/2006/main">
-  <p:cSld>
-    <p:spTree>
-      <p:nvGrpSpPr>
-        <p:cNvPr id="1" name=""/>
-        <p:cNvGrpSpPr/>
-        <p:nvPr/>
-      </p:nvGrpSpPr>
-      <p:grpSpPr>
-        <a:xfrm>
-          <a:off x="0" y="0"/>
-          <a:ext cx="0" cy="0"/>
-          <a:chOff x="0" y="0"/>
-          <a:chExt cx="0" cy="0"/>
-        </a:xfrm>
-      </p:grpSpPr>
-      <p:sp>
-        <p:nvSpPr>
-          <p:cNvPr id="2" name="Slide Image Placeholder 1"/>
-          <p:cNvSpPr>
-            <a:spLocks noGrp="1" noRot="1" noChangeAspect="1"/>
-          </p:cNvSpPr>
-          <p:nvPr>
-            <p:ph type="sldImg"/>
-          </p:nvPr>
-        </p:nvSpPr>
-        <p:spPr/>
-      </p:sp>
-      <p:sp>
-        <p:nvSpPr>
-          <p:cNvPr id="3" name="Notes Placeholder 2"/>
-          <p:cNvSpPr>
-            <a:spLocks noGrp="1"/>
-          </p:cNvSpPr>
-          <p:nvPr>
-            <p:ph type="body" idx="1"/>
-          </p:nvPr>
-        </p:nvSpPr>
-        <p:spPr/>
-        <p:txBody>
-          <a:bodyPr/>
-          <a:lstStyle/>
-          <a:p>
-            <a:r>
-              <a:rPr lang="en-US" sz="1200" kern="1200" dirty="0" smtClean="0">
-                <a:solidFill>
-                  <a:schemeClr val="tx1"/>
-                </a:solidFill>
-                <a:effectLst/>
-                <a:latin typeface="Arial" panose="020B0604020202020204" pitchFamily="34" charset="0"/>
-                <a:ea typeface="+mn-ea"/>
-                <a:cs typeface="+mn-cs"/>
-              </a:rPr>
-              <a:t>Instruction selection,</a:t>
-            </a:r>
-            <a:r>
-              <a:rPr lang="en-US" sz="1200" kern="1200" baseline="0" dirty="0" smtClean="0">
-                <a:solidFill>
-                  <a:schemeClr val="tx1"/>
-                </a:solidFill>
-                <a:effectLst/>
-                <a:latin typeface="Arial" panose="020B0604020202020204" pitchFamily="34" charset="0"/>
-                <a:ea typeface="+mn-ea"/>
-                <a:cs typeface="+mn-cs"/>
-              </a:rPr>
-              <a:t> scheduling, register allocation. Ideally, the IR (and hence the IC) is isolated from the target architectures. But, it may be more feasible to derive hints for the code generators at the IR processing phase. </a:t>
-            </a:r>
-            <a:endParaRPr lang="tr-TR" sz="1200" kern="1200" dirty="0">
-              <a:solidFill>
-                <a:schemeClr val="tx1"/>
-              </a:solidFill>
-              <a:effectLst/>
-              <a:latin typeface="Arial" panose="020B0604020202020204" pitchFamily="34" charset="0"/>
-              <a:ea typeface="+mn-ea"/>
-              <a:cs typeface="+mn-cs"/>
-            </a:endParaRPr>
-          </a:p>
-        </p:txBody>
-      </p:sp>
-      <p:sp>
-        <p:nvSpPr>
-          <p:cNvPr id="4" name="Slide Number Placeholder 3"/>
-          <p:cNvSpPr>
-            <a:spLocks noGrp="1"/>
-          </p:cNvSpPr>
-          <p:nvPr>
-            <p:ph type="sldNum" sz="quarter" idx="10"/>
-          </p:nvPr>
-        </p:nvSpPr>
-        <p:spPr/>
-        <p:txBody>
-          <a:bodyPr/>
-          <a:lstStyle/>
-          <a:p>
-            <a:fld id="{ACF19478-F7D0-4E4E-A748-A55DE5BE2B9C}" type="slidenum">
-              <a:rPr lang="ru-RU" altLang="tr-TR" smtClean="0"/>
-              <a:pPr/>
-              <a:t>19</a:t>
-            </a:fld>
-            <a:endParaRPr lang="ru-RU" altLang="tr-TR"/>
-          </a:p>
-        </p:txBody>
-      </p:sp>
-    </p:spTree>
-    <p:extLst>
-      <p:ext uri="{BB962C8B-B14F-4D97-AF65-F5344CB8AC3E}">
-        <p14:creationId xmlns:p14="http://schemas.microsoft.com/office/powerpoint/2010/main" val="972340931"/>
       </p:ext>
     </p:extLst>
   </p:cSld>
@@ -11913,210 +11807,6 @@
     <p:extLst>
       <p:ext uri="{BB962C8B-B14F-4D97-AF65-F5344CB8AC3E}">
         <p14:creationId xmlns:p14="http://schemas.microsoft.com/office/powerpoint/2010/main" val="2615966592"/>
-      </p:ext>
-    </p:extLst>
-  </p:cSld>
-  <p:clrMapOvr>
-    <a:masterClrMapping/>
-  </p:clrMapOvr>
-  <p:timing>
-    <p:tnLst>
-      <p:par>
-        <p:cTn id="1" dur="indefinite" restart="never" nodeType="tmRoot"/>
-      </p:par>
-    </p:tnLst>
-  </p:timing>
-</p:sld>
-</file>
-
-<file path=ppt/slides/slide19.xml><?xml version="1.0" encoding="utf-8"?>
-<p:sld xmlns:a="http://schemas.openxmlformats.org/drawingml/2006/main" xmlns:r="http://schemas.openxmlformats.org/officeDocument/2006/relationships" xmlns:p="http://schemas.openxmlformats.org/presentationml/2006/main">
-  <p:cSld>
-    <p:spTree>
-      <p:nvGrpSpPr>
-        <p:cNvPr id="1" name=""/>
-        <p:cNvGrpSpPr/>
-        <p:nvPr/>
-      </p:nvGrpSpPr>
-      <p:grpSpPr>
-        <a:xfrm>
-          <a:off x="0" y="0"/>
-          <a:ext cx="0" cy="0"/>
-          <a:chOff x="0" y="0"/>
-          <a:chExt cx="0" cy="0"/>
-        </a:xfrm>
-      </p:grpSpPr>
-      <p:sp>
-        <p:nvSpPr>
-          <p:cNvPr id="2" name="Title 1"/>
-          <p:cNvSpPr>
-            <a:spLocks noGrp="1"/>
-          </p:cNvSpPr>
-          <p:nvPr>
-            <p:ph type="title"/>
-          </p:nvPr>
-        </p:nvSpPr>
-        <p:spPr>
-          <a:noFill/>
-          <a:ln>
-            <a:noFill/>
-          </a:ln>
-          <a:effectLst/>
-          <a:extLst>
-            <a:ext uri="{909E8E84-426E-40DD-AFC4-6F175D3DCCD1}">
-              <a14:hiddenFill xmlns:a14="http://schemas.microsoft.com/office/drawing/2010/main">
-                <a:solidFill>
-                  <a:schemeClr val="accent1"/>
-                </a:solidFill>
-              </a14:hiddenFill>
-            </a:ext>
-            <a:ext uri="{91240B29-F687-4F45-9708-019B960494DF}">
-              <a14:hiddenLine xmlns:a14="http://schemas.microsoft.com/office/drawing/2010/main" w="9525">
-                <a:solidFill>
-                  <a:schemeClr val="tx1"/>
-                </a:solidFill>
-                <a:miter lim="800000"/>
-                <a:headEnd/>
-                <a:tailEnd/>
-              </a14:hiddenLine>
-            </a:ext>
-            <a:ext uri="{AF507438-7753-43E0-B8FC-AC1667EBCBE1}">
-              <a14:hiddenEffects xmlns:a14="http://schemas.microsoft.com/office/drawing/2010/main">
-                <a:effectLst>
-                  <a:outerShdw dist="17961" dir="2700000" algn="ctr" rotWithShape="0">
-                    <a:schemeClr val="bg2"/>
-                  </a:outerShdw>
-                </a:effectLst>
-              </a14:hiddenEffects>
-            </a:ext>
-          </a:extLst>
-        </p:spPr>
-        <p:txBody>
-          <a:bodyPr vert="horz" wrap="square" lIns="91440" tIns="45720" rIns="91440" bIns="45720" numCol="1" anchor="ctr" anchorCtr="0" compatLnSpc="1">
-            <a:prstTxWarp prst="textNoShape">
-              <a:avLst/>
-            </a:prstTxWarp>
-          </a:bodyPr>
-          <a:lstStyle/>
-          <a:p>
-            <a:pPr algn="r"/>
-            <a:r>
-              <a:rPr lang="en-GB" sz="4000" b="1" dirty="0" smtClean="0">
-                <a:solidFill>
-                  <a:srgbClr val="3ECF29"/>
-                </a:solidFill>
-              </a:rPr>
-              <a:t>Data Flow Analysis</a:t>
-            </a:r>
-            <a:br>
-              <a:rPr lang="en-GB" sz="4000" b="1" dirty="0" smtClean="0">
-                <a:solidFill>
-                  <a:srgbClr val="3ECF29"/>
-                </a:solidFill>
-              </a:rPr>
-            </a:br>
-            <a:r>
-              <a:rPr lang="en-GB" sz="2000" b="1" dirty="0" smtClean="0">
-                <a:solidFill>
-                  <a:srgbClr val="3ECF29"/>
-                </a:solidFill>
-              </a:rPr>
-              <a:t>Dependence Graphs</a:t>
-            </a:r>
-            <a:endParaRPr lang="en-GB" sz="4000" b="1" dirty="0">
-              <a:solidFill>
-                <a:srgbClr val="3ECF29"/>
-              </a:solidFill>
-            </a:endParaRPr>
-          </a:p>
-        </p:txBody>
-      </p:sp>
-      <p:pic>
-        <p:nvPicPr>
-          <p:cNvPr id="3" name="Picture 2"/>
-          <p:cNvPicPr>
-            <a:picLocks noChangeAspect="1"/>
-          </p:cNvPicPr>
-          <p:nvPr/>
-        </p:nvPicPr>
-        <p:blipFill>
-          <a:blip r:embed="rId3"/>
-          <a:stretch>
-            <a:fillRect/>
-          </a:stretch>
-        </p:blipFill>
-        <p:spPr>
-          <a:xfrm>
-            <a:off x="2286000" y="2514600"/>
-            <a:ext cx="5168062" cy="2362200"/>
-          </a:xfrm>
-          <a:prstGeom prst="rect">
-            <a:avLst/>
-          </a:prstGeom>
-        </p:spPr>
-      </p:pic>
-      <p:sp>
-        <p:nvSpPr>
-          <p:cNvPr id="4" name="TextBox 3"/>
-          <p:cNvSpPr txBox="1"/>
-          <p:nvPr/>
-        </p:nvSpPr>
-        <p:spPr>
-          <a:xfrm>
-            <a:off x="184998" y="6396335"/>
-            <a:ext cx="6292001" cy="276999"/>
-          </a:xfrm>
-          <a:prstGeom prst="rect">
-            <a:avLst/>
-          </a:prstGeom>
-          <a:noFill/>
-        </p:spPr>
-        <p:txBody>
-          <a:bodyPr wrap="square" rtlCol="0">
-            <a:spAutoFit/>
-          </a:bodyPr>
-          <a:lstStyle/>
-          <a:p>
-            <a:r>
-              <a:rPr lang="en-GB" sz="1200" b="0" dirty="0" smtClean="0"/>
-              <a:t>Excerpt from “</a:t>
-            </a:r>
-            <a:r>
-              <a:rPr lang="en-US" sz="1200" b="0" dirty="0" smtClean="0"/>
-              <a:t>Cooper</a:t>
-            </a:r>
-            <a:r>
-              <a:rPr lang="en-US" sz="1200" b="0" dirty="0"/>
-              <a:t>, K.D., </a:t>
-            </a:r>
-            <a:r>
-              <a:rPr lang="en-US" sz="1200" b="0" dirty="0" err="1"/>
-              <a:t>Torczon</a:t>
-            </a:r>
-            <a:r>
-              <a:rPr lang="en-US" sz="1200" b="0" dirty="0"/>
-              <a:t>, L.; Engineering A </a:t>
-            </a:r>
-            <a:r>
-              <a:rPr lang="en-US" sz="1200" b="0" dirty="0" smtClean="0"/>
-              <a:t>Compiler, 2</a:t>
-            </a:r>
-            <a:r>
-              <a:rPr lang="en-US" sz="1200" b="0" baseline="30000" dirty="0" smtClean="0"/>
-              <a:t>nd</a:t>
-            </a:r>
-            <a:r>
-              <a:rPr lang="en-US" sz="1200" b="0" dirty="0" smtClean="0"/>
-              <a:t> Edition page 233”</a:t>
-            </a:r>
-            <a:endParaRPr lang="en-US" sz="1200" b="0" dirty="0"/>
-          </a:p>
-        </p:txBody>
-      </p:sp>
-    </p:spTree>
-    <p:extLst>
-      <p:ext uri="{BB962C8B-B14F-4D97-AF65-F5344CB8AC3E}">
-        <p14:creationId xmlns:p14="http://schemas.microsoft.com/office/powerpoint/2010/main" val="791373223"/>
       </p:ext>
     </p:extLst>
   </p:cSld>
